--- a/开题报告_131199李小泉10_28.pptx
+++ b/开题报告_131199李小泉10_28.pptx
@@ -226,7 +226,7 @@
           <a:p>
             <a:fld id="{E42C162A-F3B0-40C7-8B59-018C3DD38F5E}" type="datetimeFigureOut">
               <a:rPr lang="zh-CN" altLang="en-US" smtClean="0"/>
-              <a:t>2015-11-15</a:t>
+              <a:t>2015/11/16</a:t>
             </a:fld>
             <a:endParaRPr lang="zh-CN" altLang="en-US"/>
           </a:p>
@@ -3219,7 +3219,7 @@
               <a:pPr>
                 <a:defRPr/>
               </a:pPr>
-              <a:t>2015-11-15</a:t>
+              <a:t>2015/11/16</a:t>
             </a:fld>
             <a:endParaRPr lang="en-US" altLang="zh-CN" dirty="0"/>
           </a:p>
@@ -3437,7 +3437,7 @@
               <a:pPr>
                 <a:defRPr/>
               </a:pPr>
-              <a:t>2015-11-15</a:t>
+              <a:t>2015/11/16</a:t>
             </a:fld>
             <a:endParaRPr lang="en-US" altLang="zh-CN" dirty="0"/>
           </a:p>
@@ -3655,7 +3655,7 @@
               <a:pPr>
                 <a:defRPr/>
               </a:pPr>
-              <a:t>2015-11-15</a:t>
+              <a:t>2015/11/16</a:t>
             </a:fld>
             <a:endParaRPr lang="en-US" altLang="zh-CN" dirty="0"/>
           </a:p>
@@ -3961,7 +3961,7 @@
               <a:pPr>
                 <a:defRPr/>
               </a:pPr>
-              <a:t>2015-11-15</a:t>
+              <a:t>2015/11/16</a:t>
             </a:fld>
             <a:endParaRPr lang="zh-CN" altLang="en-US"/>
           </a:p>
@@ -4155,7 +4155,7 @@
               <a:pPr>
                 <a:defRPr/>
               </a:pPr>
-              <a:t>2015-11-15</a:t>
+              <a:t>2015/11/16</a:t>
             </a:fld>
             <a:endParaRPr lang="en-US" altLang="zh-CN" dirty="0"/>
           </a:p>
@@ -4413,7 +4413,7 @@
               <a:pPr>
                 <a:defRPr/>
               </a:pPr>
-              <a:t>2015-11-15</a:t>
+              <a:t>2015/11/16</a:t>
             </a:fld>
             <a:endParaRPr lang="en-US" altLang="zh-CN" dirty="0"/>
           </a:p>
@@ -4906,7 +4906,7 @@
               <a:pPr>
                 <a:defRPr/>
               </a:pPr>
-              <a:t>2015-11-15</a:t>
+              <a:t>2015/11/16</a:t>
             </a:fld>
             <a:endParaRPr lang="en-US" altLang="zh-CN" dirty="0"/>
           </a:p>
@@ -5090,7 +5090,7 @@
               <a:pPr>
                 <a:defRPr/>
               </a:pPr>
-              <a:t>2015-11-15</a:t>
+              <a:t>2015/11/16</a:t>
             </a:fld>
             <a:endParaRPr lang="en-US" altLang="zh-CN" dirty="0"/>
           </a:p>
@@ -5251,7 +5251,7 @@
               <a:pPr>
                 <a:defRPr/>
               </a:pPr>
-              <a:t>2015-11-15</a:t>
+              <a:t>2015/11/16</a:t>
             </a:fld>
             <a:endParaRPr lang="en-US" altLang="zh-CN" dirty="0"/>
           </a:p>
@@ -5594,7 +5594,7 @@
               <a:pPr>
                 <a:defRPr/>
               </a:pPr>
-              <a:t>2015-11-15</a:t>
+              <a:t>2015/11/16</a:t>
             </a:fld>
             <a:endParaRPr lang="en-US" altLang="zh-CN" dirty="0"/>
           </a:p>
@@ -5918,7 +5918,7 @@
               <a:pPr>
                 <a:defRPr/>
               </a:pPr>
-              <a:t>2015-11-15</a:t>
+              <a:t>2015/11/16</a:t>
             </a:fld>
             <a:endParaRPr lang="en-US" altLang="zh-CN" dirty="0"/>
           </a:p>
@@ -6176,7 +6176,7 @@
               <a:pPr>
                 <a:defRPr/>
               </a:pPr>
-              <a:t>2015-11-15</a:t>
+              <a:t>2015/11/16</a:t>
             </a:fld>
             <a:endParaRPr lang="en-US" altLang="zh-CN" dirty="0"/>
           </a:p>
@@ -6412,7 +6412,7 @@
               <a:pPr>
                 <a:defRPr/>
               </a:pPr>
-              <a:t>2015-11-15</a:t>
+              <a:t>2015/11/16</a:t>
             </a:fld>
             <a:endParaRPr lang="en-US" altLang="zh-CN" dirty="0"/>
           </a:p>
@@ -6658,7 +6658,7 @@
               <a:pPr>
                 <a:defRPr/>
               </a:pPr>
-              <a:t>2015-11-15</a:t>
+              <a:t>2015/11/16</a:t>
             </a:fld>
             <a:endParaRPr lang="en-US" altLang="zh-CN" dirty="0"/>
           </a:p>
@@ -6876,7 +6876,7 @@
               <a:pPr>
                 <a:defRPr/>
               </a:pPr>
-              <a:t>2015-11-15</a:t>
+              <a:t>2015/11/16</a:t>
             </a:fld>
             <a:endParaRPr lang="en-US" altLang="zh-CN" dirty="0"/>
           </a:p>
@@ -7094,7 +7094,7 @@
               <a:pPr>
                 <a:defRPr/>
               </a:pPr>
-              <a:t>2015-11-15</a:t>
+              <a:t>2015/11/16</a:t>
             </a:fld>
             <a:endParaRPr lang="en-US" altLang="zh-CN" dirty="0"/>
           </a:p>
@@ -7400,7 +7400,7 @@
               <a:pPr>
                 <a:defRPr/>
               </a:pPr>
-              <a:t>2015-11-15</a:t>
+              <a:t>2015/11/16</a:t>
             </a:fld>
             <a:endParaRPr lang="zh-CN" altLang="en-US"/>
           </a:p>
@@ -7851,7 +7851,7 @@
               <a:pPr>
                 <a:defRPr/>
               </a:pPr>
-              <a:t>2015-11-15</a:t>
+              <a:t>2015/11/16</a:t>
             </a:fld>
             <a:endParaRPr lang="en-US" altLang="zh-CN" dirty="0"/>
           </a:p>
@@ -8035,7 +8035,7 @@
               <a:pPr>
                 <a:defRPr/>
               </a:pPr>
-              <a:t>2015-11-15</a:t>
+              <a:t>2015/11/16</a:t>
             </a:fld>
             <a:endParaRPr lang="en-US" altLang="zh-CN" dirty="0"/>
           </a:p>
@@ -8196,7 +8196,7 @@
               <a:pPr>
                 <a:defRPr/>
               </a:pPr>
-              <a:t>2015-11-15</a:t>
+              <a:t>2015/11/16</a:t>
             </a:fld>
             <a:endParaRPr lang="en-US" altLang="zh-CN" dirty="0"/>
           </a:p>
@@ -8539,7 +8539,7 @@
               <a:pPr>
                 <a:defRPr/>
               </a:pPr>
-              <a:t>2015-11-15</a:t>
+              <a:t>2015/11/16</a:t>
             </a:fld>
             <a:endParaRPr lang="en-US" altLang="zh-CN" dirty="0"/>
           </a:p>
@@ -8863,7 +8863,7 @@
               <a:pPr>
                 <a:defRPr/>
               </a:pPr>
-              <a:t>2015-11-15</a:t>
+              <a:t>2015/11/16</a:t>
             </a:fld>
             <a:endParaRPr lang="en-US" altLang="zh-CN" dirty="0"/>
           </a:p>
@@ -9099,7 +9099,7 @@
               <a:pPr>
                 <a:defRPr/>
               </a:pPr>
-              <a:t>2015-11-15</a:t>
+              <a:t>2015/11/16</a:t>
             </a:fld>
             <a:endParaRPr lang="en-US" altLang="zh-CN" dirty="0"/>
           </a:p>
@@ -9345,7 +9345,7 @@
               <a:pPr>
                 <a:defRPr/>
               </a:pPr>
-              <a:t>2015-11-15</a:t>
+              <a:t>2015/11/16</a:t>
             </a:fld>
             <a:endParaRPr lang="en-US" altLang="zh-CN" dirty="0"/>
           </a:p>
@@ -10067,7 +10067,7 @@
                 </a:spcAft>
                 <a:defRPr/>
               </a:pPr>
-              <a:t>2015-11-15</a:t>
+              <a:t>2015/11/16</a:t>
             </a:fld>
             <a:endParaRPr lang="en-US" altLang="zh-CN" dirty="0"/>
           </a:p>
@@ -11339,7 +11339,7 @@
                 </a:spcAft>
                 <a:defRPr/>
               </a:pPr>
-              <a:t>2015-11-15</a:t>
+              <a:t>2015/11/16</a:t>
             </a:fld>
             <a:endParaRPr lang="en-US" altLang="zh-CN" dirty="0"/>
           </a:p>
@@ -12053,13 +12053,18 @@
               <a:t>面向分组加密算法的可重构阵列</a:t>
             </a:r>
             <a:r>
-              <a:rPr lang="en-US" altLang="zh-CN" sz="3600" dirty="0"/>
+              <a:rPr lang="en-US" altLang="zh-CN" sz="3600" dirty="0" smtClean="0"/>
               <a:t>PE</a:t>
             </a:r>
             <a:r>
-              <a:rPr lang="zh-CN" altLang="en-US" sz="3600" dirty="0"/>
-              <a:t>优化设计</a:t>
-            </a:r>
+              <a:rPr lang="zh-CN" altLang="en-US" sz="3600" dirty="0" smtClean="0"/>
+              <a:t>研究与</a:t>
+            </a:r>
+            <a:r>
+              <a:rPr lang="zh-CN" altLang="en-US" sz="3600" dirty="0" smtClean="0"/>
+              <a:t>设计</a:t>
+            </a:r>
+            <a:endParaRPr lang="zh-CN" altLang="en-US" sz="3600" dirty="0"/>
           </a:p>
         </p:txBody>
       </p:sp>
@@ -12164,7 +12169,7 @@
                 <a:ea typeface="宋体" panose="02010600030101010101" pitchFamily="2" charset="-122"/>
               </a:rPr>
               <a:pPr/>
-              <a:t>2015-11-15</a:t>
+              <a:t>2015/11/16</a:t>
             </a:fld>
             <a:endParaRPr lang="zh-CN" altLang="en-US" dirty="0"/>
           </a:p>
@@ -13419,11 +13424,7 @@
             </a:r>
             <a:r>
               <a:rPr lang="zh-CN" altLang="en-US" sz="2000" dirty="0" smtClean="0"/>
-              <a:t>为</a:t>
-            </a:r>
-            <a:r>
-              <a:rPr lang="zh-CN" altLang="en-US" sz="2000" dirty="0" smtClean="0"/>
-              <a:t>实现算会在同一个</a:t>
+              <a:t>为实现算会在同一个</a:t>
             </a:r>
             <a:r>
               <a:rPr lang="en-US" altLang="zh-CN" sz="2000" dirty="0" smtClean="0"/>
@@ -13431,11 +13432,7 @@
             </a:r>
             <a:r>
               <a:rPr lang="zh-CN" altLang="en-US" sz="2000" dirty="0" smtClean="0"/>
-              <a:t>里面堆砌</a:t>
-            </a:r>
-            <a:r>
-              <a:rPr lang="zh-CN" altLang="en-US" sz="2000" dirty="0" smtClean="0"/>
-              <a:t>算法的所有功能</a:t>
+              <a:t>里面堆砌算法的所有功能</a:t>
             </a:r>
             <a:r>
               <a:rPr lang="zh-CN" altLang="en-US" sz="2000" dirty="0"/>
@@ -17511,11 +17508,7 @@
             </a:r>
             <a:r>
               <a:rPr lang="zh-CN" altLang="en-US" sz="1600" dirty="0" smtClean="0"/>
-              <a:t>电路</a:t>
-            </a:r>
-            <a:r>
-              <a:rPr lang="zh-CN" altLang="en-US" sz="1600" dirty="0" smtClean="0"/>
-              <a:t>是组成</a:t>
+              <a:t>电路是组成</a:t>
             </a:r>
             <a:r>
               <a:rPr lang="en-US" altLang="zh-CN" sz="1600" dirty="0" smtClean="0"/>
@@ -17547,11 +17540,7 @@
             </a:r>
             <a:r>
               <a:rPr lang="zh-CN" altLang="en-US" sz="1600" dirty="0" smtClean="0"/>
-              <a:t>方案进行评估</a:t>
-            </a:r>
-            <a:r>
-              <a:rPr lang="zh-CN" altLang="en-US" sz="1600" dirty="0" smtClean="0"/>
-              <a:t>设计。</a:t>
+              <a:t>方案进行评估设计。</a:t>
             </a:r>
             <a:endParaRPr lang="zh-CN" altLang="en-US" sz="1600" dirty="0"/>
           </a:p>
@@ -20390,7 +20379,7 @@
         </p:nvSpPr>
         <p:spPr>
           <a:xfrm>
-            <a:off x="457200" y="2518166"/>
+            <a:off x="457200" y="2395503"/>
             <a:ext cx="3752179" cy="3693319"/>
           </a:xfrm>
           <a:prstGeom prst="rect">
@@ -20428,11 +20417,7 @@
             </a:r>
             <a:r>
               <a:rPr lang="zh-CN" altLang="en-US" sz="1200" dirty="0" smtClean="0"/>
-              <a:t>种有效切分</a:t>
-            </a:r>
-            <a:r>
-              <a:rPr lang="zh-CN" altLang="en-US" sz="1200" dirty="0" smtClean="0"/>
-              <a:t>在初始架构下的</a:t>
+              <a:t>种有效切分在初始架构下的</a:t>
             </a:r>
             <a:r>
               <a:rPr lang="zh-CN" altLang="en-US" sz="1200" dirty="0"/>
@@ -20478,15 +20463,7 @@
             </a:r>
             <a:r>
               <a:rPr lang="zh-CN" altLang="en-US" sz="1200" dirty="0" smtClean="0"/>
-              <a:t>消耗</a:t>
-            </a:r>
-            <a:r>
-              <a:rPr lang="zh-CN" altLang="en-US" sz="1200" dirty="0" smtClean="0"/>
-              <a:t>将是算法中</a:t>
-            </a:r>
-            <a:r>
-              <a:rPr lang="zh-CN" altLang="en-US" sz="1200" dirty="0" smtClean="0"/>
-              <a:t>所有</a:t>
+              <a:t>消耗将是算法中所有</a:t>
             </a:r>
             <a:r>
               <a:rPr lang="zh-CN" altLang="en-US" sz="1200" dirty="0"/>
@@ -20502,7 +20479,11 @@
             </a:r>
             <a:r>
               <a:rPr lang="zh-CN" altLang="en-US" sz="1200" dirty="0" smtClean="0"/>
-              <a:t>之间。</a:t>
+              <a:t>之间</a:t>
+            </a:r>
+            <a:r>
+              <a:rPr lang="zh-CN" altLang="en-US" sz="1200" dirty="0" smtClean="0"/>
+              <a:t>。 </a:t>
             </a:r>
             <a:endParaRPr lang="en-US" altLang="zh-CN" sz="1200" dirty="0" smtClean="0"/>
           </a:p>
@@ -20535,11 +20516,7 @@
             </a:r>
             <a:r>
               <a:rPr lang="zh-CN" altLang="en-US" sz="1200" dirty="0" smtClean="0"/>
-              <a:t>重用</a:t>
-            </a:r>
-            <a:r>
-              <a:rPr lang="zh-CN" altLang="en-US" sz="1200" dirty="0" smtClean="0"/>
-              <a:t>最高的切分方案的过程，并且最优解也决定了</a:t>
+              <a:t>重用最高的切分方案的过程，并且最优解也决定了</a:t>
             </a:r>
             <a:r>
               <a:rPr lang="en-US" altLang="zh-CN" sz="1200" dirty="0" smtClean="0"/>
@@ -20894,8 +20871,8 @@
         </p:blipFill>
         <p:spPr>
           <a:xfrm>
-            <a:off x="4806788" y="1972686"/>
-            <a:ext cx="2653375" cy="4776029"/>
+            <a:off x="4686300" y="2170210"/>
+            <a:ext cx="2388135" cy="4520692"/>
           </a:xfrm>
           <a:prstGeom prst="rect">
             <a:avLst/>
